--- a/src/dokumentation/FlygProjekt_01.pptx
+++ b/src/dokumentation/FlygProjekt_01.pptx
@@ -13,6 +13,7 @@
     <p:sldId id="261" r:id="rId7"/>
     <p:sldId id="262" r:id="rId8"/>
     <p:sldId id="263" r:id="rId9"/>
+    <p:sldId id="264" r:id="rId10"/>
   </p:sldIdLst>
   <p:sldSz cx="12192000" cy="6858000"/>
   <p:notesSz cx="6858000" cy="9144000"/>
@@ -111,6 +112,11 @@
       </a:defRPr>
     </a:lvl9pPr>
   </p:defaultTextStyle>
+  <p:extLst>
+    <p:ext uri="{EFAFB233-063F-42B5-8137-9DF3F51BA10A}">
+      <p15:sldGuideLst xmlns:p15="http://schemas.microsoft.com/office/powerpoint/2012/main"/>
+    </p:ext>
+  </p:extLst>
 </p:presentation>
 </file>
 
@@ -2979,6 +2985,36 @@
           <a:chExt cx="0" cy="0"/>
         </a:xfrm>
       </p:grpSpPr>
+      <p:pic>
+        <p:nvPicPr>
+          <p:cNvPr id="3" name="Picture 2"/>
+          <p:cNvPicPr>
+            <a:picLocks noChangeAspect="1"/>
+          </p:cNvPicPr>
+          <p:nvPr/>
+        </p:nvPicPr>
+        <p:blipFill>
+          <a:blip r:embed="rId2">
+            <a:extLst>
+              <a:ext uri="{28A0092B-C50C-407E-A947-70E740481C1C}">
+                <a14:useLocalDpi xmlns:a14="http://schemas.microsoft.com/office/drawing/2010/main" val="0"/>
+              </a:ext>
+            </a:extLst>
+          </a:blip>
+          <a:stretch>
+            <a:fillRect/>
+          </a:stretch>
+        </p:blipFill>
+        <p:spPr>
+          <a:xfrm>
+            <a:off x="-1013669" y="0"/>
+            <a:ext cx="13716000" cy="6858000"/>
+          </a:xfrm>
+          <a:prstGeom prst="rect">
+            <a:avLst/>
+          </a:prstGeom>
+        </p:spPr>
+      </p:pic>
       <p:sp>
         <p:nvSpPr>
           <p:cNvPr id="2" name="Title 1"/>
@@ -2989,25 +3025,51 @@
             <p:ph type="ctrTitle"/>
           </p:nvPr>
         </p:nvSpPr>
-        <p:spPr/>
+        <p:spPr>
+          <a:xfrm>
+            <a:off x="6314114" y="251670"/>
+            <a:ext cx="5547919" cy="1404326"/>
+          </a:xfrm>
+          <a:effectLst>
+            <a:outerShdw blurRad="50800" dist="38100" dir="2700000" algn="tl" rotWithShape="0">
+              <a:prstClr val="black">
+                <a:alpha val="40000"/>
+              </a:prstClr>
+            </a:outerShdw>
+          </a:effectLst>
+        </p:spPr>
         <p:txBody>
           <a:bodyPr>
-            <a:normAutofit/>
+            <a:noAutofit/>
           </a:bodyPr>
           <a:lstStyle/>
           <a:p>
             <a:r>
-              <a:rPr lang="sv-SE" sz="8800" dirty="0" err="1" smtClean="0">
+              <a:rPr lang="sv-SE" sz="9600" b="1" dirty="0" err="1" smtClean="0">
                 <a:solidFill>
-                  <a:schemeClr val="bg1"/>
+                  <a:schemeClr val="accent5"/>
                 </a:solidFill>
+                <a:effectLst>
+                  <a:outerShdw blurRad="38100" dist="38100" dir="2700000" algn="tl">
+                    <a:srgbClr val="000000">
+                      <a:alpha val="43137"/>
+                    </a:srgbClr>
+                  </a:outerShdw>
+                </a:effectLst>
               </a:rPr>
               <a:t>FlygProjekt</a:t>
             </a:r>
-            <a:endParaRPr lang="sv-SE" sz="8800" dirty="0">
+            <a:endParaRPr lang="sv-SE" sz="9600" b="1" dirty="0">
               <a:solidFill>
-                <a:schemeClr val="bg1"/>
+                <a:schemeClr val="accent5"/>
               </a:solidFill>
+              <a:effectLst>
+                <a:outerShdw blurRad="38100" dist="38100" dir="2700000" algn="tl">
+                  <a:srgbClr val="000000">
+                    <a:alpha val="43137"/>
+                  </a:srgbClr>
+                </a:outerShdw>
+              </a:effectLst>
             </a:endParaRPr>
           </a:p>
         </p:txBody>
@@ -3022,6 +3084,13 @@
   <p:clrMapOvr>
     <a:masterClrMapping/>
   </p:clrMapOvr>
+  <p:timing>
+    <p:tnLst>
+      <p:par>
+        <p:cTn id="1" dur="indefinite" restart="never" nodeType="tmRoot"/>
+      </p:par>
+    </p:tnLst>
+  </p:timing>
 </p:sld>
 </file>
 
@@ -3072,8 +3141,37 @@
         </p:blipFill>
         <p:spPr>
           <a:xfrm>
-            <a:off x="3697635" y="215669"/>
+            <a:off x="188316" y="158004"/>
             <a:ext cx="5187743" cy="6459447"/>
+          </a:xfrm>
+          <a:prstGeom prst="rect">
+            <a:avLst/>
+          </a:prstGeom>
+        </p:spPr>
+      </p:pic>
+      <p:pic>
+        <p:nvPicPr>
+          <p:cNvPr id="2" name="Picture 1"/>
+          <p:cNvPicPr>
+            <a:picLocks noChangeAspect="1"/>
+          </p:cNvPicPr>
+          <p:nvPr/>
+        </p:nvPicPr>
+        <p:blipFill rotWithShape="1">
+          <a:blip r:embed="rId3" cstate="print">
+            <a:extLst>
+              <a:ext uri="{28A0092B-C50C-407E-A947-70E740481C1C}">
+                <a14:useLocalDpi xmlns:a14="http://schemas.microsoft.com/office/drawing/2010/main" val="0"/>
+              </a:ext>
+            </a:extLst>
+          </a:blip>
+          <a:srcRect l="263" r="11137"/>
+          <a:stretch/>
+        </p:blipFill>
+        <p:spPr>
+          <a:xfrm>
+            <a:off x="5651157" y="347476"/>
+            <a:ext cx="6356874" cy="5847380"/>
           </a:xfrm>
           <a:prstGeom prst="rect">
             <a:avLst/>
@@ -3090,6 +3188,13 @@
   <p:clrMapOvr>
     <a:masterClrMapping/>
   </p:clrMapOvr>
+  <p:timing>
+    <p:tnLst>
+      <p:par>
+        <p:cTn id="1" dur="indefinite" restart="never" nodeType="tmRoot"/>
+      </p:par>
+    </p:tnLst>
+  </p:timing>
 </p:sld>
 </file>
 
@@ -3140,8 +3245,39 @@
         </p:blipFill>
         <p:spPr>
           <a:xfrm>
-            <a:off x="2573573" y="130629"/>
+            <a:off x="102222" y="89440"/>
             <a:ext cx="6962299" cy="6624733"/>
+          </a:xfrm>
+          <a:prstGeom prst="rect">
+            <a:avLst/>
+          </a:prstGeom>
+        </p:spPr>
+      </p:pic>
+      <p:pic>
+        <p:nvPicPr>
+          <p:cNvPr id="3" name="Picture 2"/>
+          <p:cNvPicPr>
+            <a:picLocks noChangeAspect="1"/>
+          </p:cNvPicPr>
+          <p:nvPr/>
+        </p:nvPicPr>
+        <p:blipFill>
+          <a:blip r:embed="rId3" cstate="print">
+            <a:grayscl/>
+            <a:extLst>
+              <a:ext uri="{28A0092B-C50C-407E-A947-70E740481C1C}">
+                <a14:useLocalDpi xmlns:a14="http://schemas.microsoft.com/office/drawing/2010/main"/>
+              </a:ext>
+            </a:extLst>
+          </a:blip>
+          <a:stretch>
+            <a:fillRect/>
+          </a:stretch>
+        </p:blipFill>
+        <p:spPr>
+          <a:xfrm>
+            <a:off x="7763788" y="89439"/>
+            <a:ext cx="3892748" cy="6528305"/>
           </a:xfrm>
           <a:prstGeom prst="rect">
             <a:avLst/>
@@ -3158,6 +3294,13 @@
   <p:clrMapOvr>
     <a:masterClrMapping/>
   </p:clrMapOvr>
+  <p:timing>
+    <p:tnLst>
+      <p:par>
+        <p:cTn id="1" dur="indefinite" restart="never" nodeType="tmRoot"/>
+      </p:par>
+    </p:tnLst>
+  </p:timing>
 </p:sld>
 </file>
 
@@ -3208,8 +3351,38 @@
         </p:blipFill>
         <p:spPr>
           <a:xfrm>
-            <a:off x="4460033" y="45396"/>
+            <a:off x="8826088" y="57051"/>
             <a:ext cx="3256383" cy="6735045"/>
+          </a:xfrm>
+          <a:prstGeom prst="rect">
+            <a:avLst/>
+          </a:prstGeom>
+        </p:spPr>
+      </p:pic>
+      <p:pic>
+        <p:nvPicPr>
+          <p:cNvPr id="3" name="Picture 2"/>
+          <p:cNvPicPr>
+            <a:picLocks noChangeAspect="1"/>
+          </p:cNvPicPr>
+          <p:nvPr/>
+        </p:nvPicPr>
+        <p:blipFill>
+          <a:blip r:embed="rId3">
+            <a:extLst>
+              <a:ext uri="{28A0092B-C50C-407E-A947-70E740481C1C}">
+                <a14:useLocalDpi xmlns:a14="http://schemas.microsoft.com/office/drawing/2010/main" val="0"/>
+              </a:ext>
+            </a:extLst>
+          </a:blip>
+          <a:stretch>
+            <a:fillRect/>
+          </a:stretch>
+        </p:blipFill>
+        <p:spPr>
+          <a:xfrm>
+            <a:off x="156516" y="154714"/>
+            <a:ext cx="8350786" cy="6381392"/>
           </a:xfrm>
           <a:prstGeom prst="rect">
             <a:avLst/>
@@ -3226,6 +3399,13 @@
   <p:clrMapOvr>
     <a:masterClrMapping/>
   </p:clrMapOvr>
+  <p:timing>
+    <p:tnLst>
+      <p:par>
+        <p:cTn id="1" dur="indefinite" restart="never" nodeType="tmRoot"/>
+      </p:par>
+    </p:tnLst>
+  </p:timing>
 </p:sld>
 </file>
 
@@ -3276,8 +3456,38 @@
         </p:blipFill>
         <p:spPr>
           <a:xfrm>
-            <a:off x="2470249" y="121298"/>
+            <a:off x="89514" y="113061"/>
             <a:ext cx="7220817" cy="6587412"/>
+          </a:xfrm>
+          <a:prstGeom prst="rect">
+            <a:avLst/>
+          </a:prstGeom>
+        </p:spPr>
+      </p:pic>
+      <p:pic>
+        <p:nvPicPr>
+          <p:cNvPr id="4" name="Picture 3"/>
+          <p:cNvPicPr>
+            <a:picLocks noChangeAspect="1"/>
+          </p:cNvPicPr>
+          <p:nvPr/>
+        </p:nvPicPr>
+        <p:blipFill>
+          <a:blip r:embed="rId3" cstate="print">
+            <a:extLst>
+              <a:ext uri="{28A0092B-C50C-407E-A947-70E740481C1C}">
+                <a14:useLocalDpi xmlns:a14="http://schemas.microsoft.com/office/drawing/2010/main" val="0"/>
+              </a:ext>
+            </a:extLst>
+          </a:blip>
+          <a:stretch>
+            <a:fillRect/>
+          </a:stretch>
+        </p:blipFill>
+        <p:spPr>
+          <a:xfrm>
+            <a:off x="7012856" y="1820562"/>
+            <a:ext cx="5480853" cy="3653902"/>
           </a:xfrm>
           <a:prstGeom prst="rect">
             <a:avLst/>
@@ -3294,6 +3504,13 @@
   <p:clrMapOvr>
     <a:masterClrMapping/>
   </p:clrMapOvr>
+  <p:timing>
+    <p:tnLst>
+      <p:par>
+        <p:cTn id="1" dur="indefinite" restart="never" nodeType="tmRoot"/>
+      </p:par>
+    </p:tnLst>
+  </p:timing>
 </p:sld>
 </file>
 
@@ -3344,8 +3561,38 @@
         </p:blipFill>
         <p:spPr>
           <a:xfrm>
-            <a:off x="3459725" y="93306"/>
+            <a:off x="6829001" y="68592"/>
             <a:ext cx="5272549" cy="6671388"/>
+          </a:xfrm>
+          <a:prstGeom prst="rect">
+            <a:avLst/>
+          </a:prstGeom>
+        </p:spPr>
+      </p:pic>
+      <p:pic>
+        <p:nvPicPr>
+          <p:cNvPr id="2" name="Picture 1"/>
+          <p:cNvPicPr>
+            <a:picLocks noChangeAspect="1"/>
+          </p:cNvPicPr>
+          <p:nvPr/>
+        </p:nvPicPr>
+        <p:blipFill>
+          <a:blip r:embed="rId3" cstate="print">
+            <a:extLst>
+              <a:ext uri="{28A0092B-C50C-407E-A947-70E740481C1C}">
+                <a14:useLocalDpi xmlns:a14="http://schemas.microsoft.com/office/drawing/2010/main" val="0"/>
+              </a:ext>
+            </a:extLst>
+          </a:blip>
+          <a:stretch>
+            <a:fillRect/>
+          </a:stretch>
+        </p:blipFill>
+        <p:spPr>
+          <a:xfrm>
+            <a:off x="677742" y="110495"/>
+            <a:ext cx="4917590" cy="6587581"/>
           </a:xfrm>
           <a:prstGeom prst="rect">
             <a:avLst/>
@@ -3362,6 +3609,13 @@
   <p:clrMapOvr>
     <a:masterClrMapping/>
   </p:clrMapOvr>
+  <p:timing>
+    <p:tnLst>
+      <p:par>
+        <p:cTn id="1" dur="indefinite" restart="never" nodeType="tmRoot"/>
+      </p:par>
+    </p:tnLst>
+  </p:timing>
 </p:sld>
 </file>
 
@@ -3412,8 +3666,38 @@
         </p:blipFill>
         <p:spPr>
           <a:xfrm>
-            <a:off x="3363748" y="93306"/>
+            <a:off x="118040" y="126258"/>
             <a:ext cx="5418648" cy="6615404"/>
+          </a:xfrm>
+          <a:prstGeom prst="rect">
+            <a:avLst/>
+          </a:prstGeom>
+        </p:spPr>
+      </p:pic>
+      <p:pic>
+        <p:nvPicPr>
+          <p:cNvPr id="2" name="Picture 1"/>
+          <p:cNvPicPr>
+            <a:picLocks noChangeAspect="1"/>
+          </p:cNvPicPr>
+          <p:nvPr/>
+        </p:nvPicPr>
+        <p:blipFill>
+          <a:blip r:embed="rId3">
+            <a:extLst>
+              <a:ext uri="{28A0092B-C50C-407E-A947-70E740481C1C}">
+                <a14:useLocalDpi xmlns:a14="http://schemas.microsoft.com/office/drawing/2010/main" val="0"/>
+              </a:ext>
+            </a:extLst>
+          </a:blip>
+          <a:stretch>
+            <a:fillRect/>
+          </a:stretch>
+        </p:blipFill>
+        <p:spPr>
+          <a:xfrm>
+            <a:off x="6421883" y="-141846"/>
+            <a:ext cx="4699197" cy="6999846"/>
           </a:xfrm>
           <a:prstGeom prst="rect">
             <a:avLst/>
@@ -3430,6 +3714,13 @@
   <p:clrMapOvr>
     <a:masterClrMapping/>
   </p:clrMapOvr>
+  <p:timing>
+    <p:tnLst>
+      <p:par>
+        <p:cTn id="1" dur="indefinite" restart="never" nodeType="tmRoot"/>
+      </p:par>
+    </p:tnLst>
+  </p:timing>
 </p:sld>
 </file>
 
@@ -3480,8 +3771,39 @@
         </p:blipFill>
         <p:spPr>
           <a:xfrm>
-            <a:off x="4310743" y="77089"/>
+            <a:off x="125921" y="68851"/>
             <a:ext cx="3564294" cy="6692144"/>
+          </a:xfrm>
+          <a:prstGeom prst="rect">
+            <a:avLst/>
+          </a:prstGeom>
+        </p:spPr>
+      </p:pic>
+      <p:pic>
+        <p:nvPicPr>
+          <p:cNvPr id="2" name="Picture 1"/>
+          <p:cNvPicPr>
+            <a:picLocks noChangeAspect="1"/>
+          </p:cNvPicPr>
+          <p:nvPr/>
+        </p:nvPicPr>
+        <p:blipFill>
+          <a:blip r:embed="rId3">
+            <a:grayscl/>
+            <a:extLst>
+              <a:ext uri="{28A0092B-C50C-407E-A947-70E740481C1C}">
+                <a14:useLocalDpi xmlns:a14="http://schemas.microsoft.com/office/drawing/2010/main" val="0"/>
+              </a:ext>
+            </a:extLst>
+          </a:blip>
+          <a:stretch>
+            <a:fillRect/>
+          </a:stretch>
+        </p:blipFill>
+        <p:spPr>
+          <a:xfrm>
+            <a:off x="3797640" y="799070"/>
+            <a:ext cx="8289093" cy="4662615"/>
           </a:xfrm>
           <a:prstGeom prst="rect">
             <a:avLst/>
@@ -3498,6 +3820,177 @@
   <p:clrMapOvr>
     <a:masterClrMapping/>
   </p:clrMapOvr>
+  <p:timing>
+    <p:tnLst>
+      <p:par>
+        <p:cTn id="1" dur="indefinite" restart="never" nodeType="tmRoot"/>
+      </p:par>
+    </p:tnLst>
+  </p:timing>
+</p:sld>
+</file>
+
+<file path=ppt/slides/slide9.xml><?xml version="1.0" encoding="utf-8"?>
+<p:sld xmlns:a="http://schemas.openxmlformats.org/drawingml/2006/main" xmlns:r="http://schemas.openxmlformats.org/officeDocument/2006/relationships" xmlns:p="http://schemas.openxmlformats.org/presentationml/2006/main">
+  <p:cSld>
+    <p:bg>
+      <p:bgPr>
+        <a:solidFill>
+          <a:schemeClr val="tx1"/>
+        </a:solidFill>
+        <a:effectLst/>
+      </p:bgPr>
+    </p:bg>
+    <p:spTree>
+      <p:nvGrpSpPr>
+        <p:cNvPr id="1" name=""/>
+        <p:cNvGrpSpPr/>
+        <p:nvPr/>
+      </p:nvGrpSpPr>
+      <p:grpSpPr>
+        <a:xfrm>
+          <a:off x="0" y="0"/>
+          <a:ext cx="0" cy="0"/>
+          <a:chOff x="0" y="0"/>
+          <a:chExt cx="0" cy="0"/>
+        </a:xfrm>
+      </p:grpSpPr>
+      <p:pic>
+        <p:nvPicPr>
+          <p:cNvPr id="4" name="Picture 3"/>
+          <p:cNvPicPr>
+            <a:picLocks noChangeAspect="1"/>
+          </p:cNvPicPr>
+          <p:nvPr/>
+        </p:nvPicPr>
+        <p:blipFill>
+          <a:blip r:embed="rId2">
+            <a:extLst>
+              <a:ext uri="{28A0092B-C50C-407E-A947-70E740481C1C}">
+                <a14:useLocalDpi xmlns:a14="http://schemas.microsoft.com/office/drawing/2010/main" val="0"/>
+              </a:ext>
+            </a:extLst>
+          </a:blip>
+          <a:stretch>
+            <a:fillRect/>
+          </a:stretch>
+        </p:blipFill>
+        <p:spPr>
+          <a:xfrm>
+            <a:off x="303238" y="-130629"/>
+            <a:ext cx="5994400" cy="7226769"/>
+          </a:xfrm>
+          <a:prstGeom prst="rect">
+            <a:avLst/>
+          </a:prstGeom>
+        </p:spPr>
+      </p:pic>
+      <p:sp>
+        <p:nvSpPr>
+          <p:cNvPr id="2" name="Title 1"/>
+          <p:cNvSpPr>
+            <a:spLocks noGrp="1"/>
+          </p:cNvSpPr>
+          <p:nvPr>
+            <p:ph type="ctrTitle"/>
+          </p:nvPr>
+        </p:nvSpPr>
+        <p:spPr>
+          <a:xfrm>
+            <a:off x="4383315" y="1864412"/>
+            <a:ext cx="8449215" cy="3236686"/>
+          </a:xfrm>
+          <a:effectLst>
+            <a:outerShdw blurRad="50800" dist="38100" dir="2700000" algn="tl" rotWithShape="0">
+              <a:prstClr val="black">
+                <a:alpha val="40000"/>
+              </a:prstClr>
+            </a:outerShdw>
+          </a:effectLst>
+        </p:spPr>
+        <p:txBody>
+          <a:bodyPr>
+            <a:noAutofit/>
+          </a:bodyPr>
+          <a:lstStyle/>
+          <a:p>
+            <a:r>
+              <a:rPr lang="sv-SE" sz="16600" b="1" dirty="0" smtClean="0">
+                <a:solidFill>
+                  <a:schemeClr val="accent5"/>
+                </a:solidFill>
+                <a:effectLst>
+                  <a:outerShdw blurRad="38100" dist="38100" dir="2700000" algn="tl">
+                    <a:srgbClr val="000000">
+                      <a:alpha val="43137"/>
+                    </a:srgbClr>
+                  </a:outerShdw>
+                </a:effectLst>
+              </a:rPr>
+              <a:t>The</a:t>
+            </a:r>
+            <a:r>
+              <a:rPr lang="sv-SE" sz="13800" b="1" dirty="0" smtClean="0">
+                <a:solidFill>
+                  <a:schemeClr val="accent5"/>
+                </a:solidFill>
+                <a:effectLst>
+                  <a:outerShdw blurRad="38100" dist="38100" dir="2700000" algn="tl">
+                    <a:srgbClr val="000000">
+                      <a:alpha val="43137"/>
+                    </a:srgbClr>
+                  </a:outerShdw>
+                </a:effectLst>
+              </a:rPr>
+              <a:t> </a:t>
+            </a:r>
+            <a:r>
+              <a:rPr lang="sv-SE" sz="16600" b="1" dirty="0" smtClean="0">
+                <a:solidFill>
+                  <a:schemeClr val="accent5"/>
+                </a:solidFill>
+                <a:effectLst>
+                  <a:outerShdw blurRad="38100" dist="38100" dir="2700000" algn="tl">
+                    <a:srgbClr val="000000">
+                      <a:alpha val="43137"/>
+                    </a:srgbClr>
+                  </a:outerShdw>
+                </a:effectLst>
+              </a:rPr>
+              <a:t>End</a:t>
+            </a:r>
+            <a:endParaRPr lang="sv-SE" sz="16600" b="1" dirty="0">
+              <a:solidFill>
+                <a:schemeClr val="accent5"/>
+              </a:solidFill>
+              <a:effectLst>
+                <a:outerShdw blurRad="38100" dist="38100" dir="2700000" algn="tl">
+                  <a:srgbClr val="000000">
+                    <a:alpha val="43137"/>
+                  </a:srgbClr>
+                </a:outerShdw>
+              </a:effectLst>
+            </a:endParaRPr>
+          </a:p>
+        </p:txBody>
+      </p:sp>
+    </p:spTree>
+    <p:extLst>
+      <p:ext uri="{BB962C8B-B14F-4D97-AF65-F5344CB8AC3E}">
+        <p14:creationId xmlns:p14="http://schemas.microsoft.com/office/powerpoint/2010/main" val="4191024442"/>
+      </p:ext>
+    </p:extLst>
+  </p:cSld>
+  <p:clrMapOvr>
+    <a:masterClrMapping/>
+  </p:clrMapOvr>
+  <p:timing>
+    <p:tnLst>
+      <p:par>
+        <p:cTn id="1" dur="indefinite" restart="never" nodeType="tmRoot"/>
+      </p:par>
+    </p:tnLst>
+  </p:timing>
 </p:sld>
 </file>
 
